--- a/howtos/Execute_Remote_Commands_on_a_Cisco_Device/doc/preso.pptx
+++ b/howtos/Execute_Remote_Commands_on_a_Cisco_Device/doc/preso.pptx
@@ -104,6 +104,11 @@
       </a:defRPr>
     </a:lvl9pPr>
   </p:defaultTextStyle>
+  <p:extLst>
+    <p:ext uri="{EFAFB233-063F-42B5-8137-9DF3F51BA10A}">
+      <p15:sldGuideLst xmlns:p15="http://schemas.microsoft.com/office/powerpoint/2012/main"/>
+    </p:ext>
+  </p:extLst>
 </p:presentation>
 </file>
 
@@ -254,7 +259,7 @@
           <a:p>
             <a:fld id="{2F22A1C1-516F-5543-9924-FFB34E1FB2BD}" type="datetimeFigureOut">
               <a:rPr lang="en-US" smtClean="0"/>
-              <a:t>3/4/21</a:t>
+              <a:t>4/7/21</a:t>
             </a:fld>
             <a:endParaRPr lang="en-US"/>
           </a:p>
@@ -452,7 +457,7 @@
           <a:p>
             <a:fld id="{2F22A1C1-516F-5543-9924-FFB34E1FB2BD}" type="datetimeFigureOut">
               <a:rPr lang="en-US" smtClean="0"/>
-              <a:t>3/4/21</a:t>
+              <a:t>4/7/21</a:t>
             </a:fld>
             <a:endParaRPr lang="en-US"/>
           </a:p>
@@ -660,7 +665,7 @@
           <a:p>
             <a:fld id="{2F22A1C1-516F-5543-9924-FFB34E1FB2BD}" type="datetimeFigureOut">
               <a:rPr lang="en-US" smtClean="0"/>
-              <a:t>3/4/21</a:t>
+              <a:t>4/7/21</a:t>
             </a:fld>
             <a:endParaRPr lang="en-US"/>
           </a:p>
@@ -858,7 +863,7 @@
           <a:p>
             <a:fld id="{2F22A1C1-516F-5543-9924-FFB34E1FB2BD}" type="datetimeFigureOut">
               <a:rPr lang="en-US" smtClean="0"/>
-              <a:t>3/4/21</a:t>
+              <a:t>4/7/21</a:t>
             </a:fld>
             <a:endParaRPr lang="en-US"/>
           </a:p>
@@ -1133,7 +1138,7 @@
           <a:p>
             <a:fld id="{2F22A1C1-516F-5543-9924-FFB34E1FB2BD}" type="datetimeFigureOut">
               <a:rPr lang="en-US" smtClean="0"/>
-              <a:t>3/4/21</a:t>
+              <a:t>4/7/21</a:t>
             </a:fld>
             <a:endParaRPr lang="en-US"/>
           </a:p>
@@ -1398,7 +1403,7 @@
           <a:p>
             <a:fld id="{2F22A1C1-516F-5543-9924-FFB34E1FB2BD}" type="datetimeFigureOut">
               <a:rPr lang="en-US" smtClean="0"/>
-              <a:t>3/4/21</a:t>
+              <a:t>4/7/21</a:t>
             </a:fld>
             <a:endParaRPr lang="en-US"/>
           </a:p>
@@ -1810,7 +1815,7 @@
           <a:p>
             <a:fld id="{2F22A1C1-516F-5543-9924-FFB34E1FB2BD}" type="datetimeFigureOut">
               <a:rPr lang="en-US" smtClean="0"/>
-              <a:t>3/4/21</a:t>
+              <a:t>4/7/21</a:t>
             </a:fld>
             <a:endParaRPr lang="en-US"/>
           </a:p>
@@ -1951,7 +1956,7 @@
           <a:p>
             <a:fld id="{2F22A1C1-516F-5543-9924-FFB34E1FB2BD}" type="datetimeFigureOut">
               <a:rPr lang="en-US" smtClean="0"/>
-              <a:t>3/4/21</a:t>
+              <a:t>4/7/21</a:t>
             </a:fld>
             <a:endParaRPr lang="en-US"/>
           </a:p>
@@ -2064,7 +2069,7 @@
           <a:p>
             <a:fld id="{2F22A1C1-516F-5543-9924-FFB34E1FB2BD}" type="datetimeFigureOut">
               <a:rPr lang="en-US" smtClean="0"/>
-              <a:t>3/4/21</a:t>
+              <a:t>4/7/21</a:t>
             </a:fld>
             <a:endParaRPr lang="en-US"/>
           </a:p>
@@ -2375,7 +2380,7 @@
           <a:p>
             <a:fld id="{2F22A1C1-516F-5543-9924-FFB34E1FB2BD}" type="datetimeFigureOut">
               <a:rPr lang="en-US" smtClean="0"/>
-              <a:t>3/4/21</a:t>
+              <a:t>4/7/21</a:t>
             </a:fld>
             <a:endParaRPr lang="en-US"/>
           </a:p>
@@ -2663,7 +2668,7 @@
           <a:p>
             <a:fld id="{2F22A1C1-516F-5543-9924-FFB34E1FB2BD}" type="datetimeFigureOut">
               <a:rPr lang="en-US" smtClean="0"/>
-              <a:t>3/4/21</a:t>
+              <a:t>4/7/21</a:t>
             </a:fld>
             <a:endParaRPr lang="en-US"/>
           </a:p>
@@ -2904,7 +2909,7 @@
           <a:p>
             <a:fld id="{2F22A1C1-516F-5543-9924-FFB34E1FB2BD}" type="datetimeFigureOut">
               <a:rPr lang="en-US" smtClean="0"/>
-              <a:t>3/4/21</a:t>
+              <a:t>4/7/21</a:t>
             </a:fld>
             <a:endParaRPr lang="en-US"/>
           </a:p>
@@ -3331,7 +3336,7 @@
       </p:grpSpPr>
       <p:sp>
         <p:nvSpPr>
-          <p:cNvPr id="10" name="Rectangle 9">
+          <p:cNvPr id="15" name="Rectangle 14">
             <a:extLst>
               <a:ext uri="{FF2B5EF4-FFF2-40B4-BE49-F238E27FC236}">
                 <a16:creationId xmlns:a16="http://schemas.microsoft.com/office/drawing/2014/main" id="{42A4FC2C-047E-45A5-965D-8E1E3BF09BC6}"/>
@@ -3486,10 +3491,10 @@
       </p:sp>
       <p:pic>
         <p:nvPicPr>
-          <p:cNvPr id="5" name="Picture 4">
-            <a:extLst>
-              <a:ext uri="{FF2B5EF4-FFF2-40B4-BE49-F238E27FC236}">
-                <a16:creationId xmlns:a16="http://schemas.microsoft.com/office/drawing/2014/main" id="{3FF83644-B83F-0E4F-B645-191871620503}"/>
+          <p:cNvPr id="3" name="Picture 2">
+            <a:extLst>
+              <a:ext uri="{FF2B5EF4-FFF2-40B4-BE49-F238E27FC236}">
+                <a16:creationId xmlns:a16="http://schemas.microsoft.com/office/drawing/2014/main" id="{008F2C0A-CB24-FF41-AFEB-0721C69FF484}"/>
               </a:ext>
             </a:extLst>
           </p:cNvPr>
@@ -3500,7 +3505,7 @@
         </p:nvPicPr>
         <p:blipFill rotWithShape="1">
           <a:blip r:embed="rId2"/>
-          <a:srcRect l="5167" r="6372"/>
+          <a:srcRect l="1766" r="1328" b="1"/>
           <a:stretch/>
         </p:blipFill>
         <p:spPr>
